--- a/slides/ACC.pptx
+++ b/slides/ACC.pptx
@@ -6,7 +6,6 @@
   </p:sldMasterIdLst>
   <p:sldIdLst>
     <p:sldId id="256" r:id="rId2"/>
-    <p:sldId id="257" r:id="rId3"/>
   </p:sldIdLst>
   <p:sldSz cx="12192000" cy="6858000"/>
   <p:notesSz cx="6858000" cy="9144000"/>
@@ -105,6 +104,11 @@
       </a:defRPr>
     </a:lvl9pPr>
   </p:defaultTextStyle>
+  <p:extLst>
+    <p:ext uri="{EFAFB233-063F-42B5-8137-9DF3F51BA10A}">
+      <p15:sldGuideLst xmlns:p15="http://schemas.microsoft.com/office/powerpoint/2012/main"/>
+    </p:ext>
+  </p:extLst>
 </p:presentation>
 </file>
 
@@ -2967,30 +2971,6 @@
       </p:grpSpPr>
       <p:pic>
         <p:nvPicPr>
-          <p:cNvPr id="4" name="Picture 3"/>
-          <p:cNvPicPr>
-            <a:picLocks noChangeAspect="1"/>
-          </p:cNvPicPr>
-          <p:nvPr/>
-        </p:nvPicPr>
-        <p:blipFill>
-          <a:blip r:embed="rId2"/>
-          <a:stretch>
-            <a:fillRect/>
-          </a:stretch>
-        </p:blipFill>
-        <p:spPr>
-          <a:xfrm>
-            <a:off x="2292821" y="3257550"/>
-            <a:ext cx="8651403" cy="3009899"/>
-          </a:xfrm>
-          <a:prstGeom prst="rect">
-            <a:avLst/>
-          </a:prstGeom>
-        </p:spPr>
-      </p:pic>
-      <p:pic>
-        <p:nvPicPr>
           <p:cNvPr id="1026" name="Picture 2" descr="https://www.mathworks.com/help/mpc/ref/acc_diagram.png"/>
           <p:cNvPicPr>
             <a:picLocks noChangeAspect="1" noChangeArrowheads="1"/>
@@ -2998,7 +2978,7 @@
           <p:nvPr/>
         </p:nvPicPr>
         <p:blipFill>
-          <a:blip r:embed="rId3">
+          <a:blip r:embed="rId2">
             <a:extLst>
               <a:ext uri="{28A0092B-C50C-407E-A947-70E740481C1C}">
                 <a14:useLocalDpi xmlns:a14="http://schemas.microsoft.com/office/drawing/2010/main" val="0"/>
@@ -3012,8 +2992,8 @@
         </p:blipFill>
         <p:spPr bwMode="auto">
           <a:xfrm>
-            <a:off x="5761272" y="584867"/>
-            <a:ext cx="4854575" cy="2240574"/>
+            <a:off x="425426" y="1641646"/>
+            <a:ext cx="4141357" cy="1911396"/>
           </a:xfrm>
           <a:prstGeom prst="rect">
             <a:avLst/>
@@ -3038,8 +3018,8 @@
         </p:nvSpPr>
         <p:spPr>
           <a:xfrm>
-            <a:off x="438149" y="584867"/>
-            <a:ext cx="5172075" cy="830997"/>
+            <a:off x="425426" y="542133"/>
+            <a:ext cx="4300106" cy="984885"/>
           </a:xfrm>
           <a:prstGeom prst="rect">
             <a:avLst/>
@@ -3054,20 +3034,1165 @@
           <a:p>
             <a:pPr algn="just"/>
             <a:r>
-              <a:rPr lang="en-US" altLang="zh-CN" sz="1600" dirty="0" smtClean="0"/>
-              <a:t>The </a:t>
-            </a:r>
+              <a:rPr lang="en-US" sz="1600" b="1" dirty="0" smtClean="0"/>
+              <a:t>Adaptive Cruise Control System:</a:t>
+            </a:r>
+            <a:endParaRPr lang="en-US" altLang="zh-CN" sz="1600" b="1" dirty="0" smtClean="0"/>
+          </a:p>
+          <a:p>
+            <a:pPr marL="285750" indent="-285750" algn="just">
+              <a:spcBef>
+                <a:spcPts val="600"/>
+              </a:spcBef>
+              <a:buFont typeface="Arial" panose="020B0604020202020204" pitchFamily="34" charset="0"/>
+              <a:buChar char="•"/>
+            </a:pPr>
             <a:r>
               <a:rPr lang="en-US" sz="1600" dirty="0" smtClean="0"/>
-              <a:t>adaptive </a:t>
+              <a:t>tracks </a:t>
             </a:r>
             <a:r>
               <a:rPr lang="en-US" sz="1600" dirty="0"/>
-              <a:t>cruise control (ACC) system that tracks a set velocity and maintains a safe distance from a lead vehicle by adjusting the longitudinal acceleration of an ego vehicle.</a:t>
-            </a:r>
-          </a:p>
-        </p:txBody>
-      </p:sp>
+              <a:t>a set </a:t>
+            </a:r>
+            <a:r>
+              <a:rPr lang="en-US" sz="1600" dirty="0" smtClean="0"/>
+              <a:t>velocity</a:t>
+            </a:r>
+          </a:p>
+          <a:p>
+            <a:pPr marL="285750" indent="-285750" algn="just">
+              <a:spcBef>
+                <a:spcPts val="600"/>
+              </a:spcBef>
+              <a:buFont typeface="Arial" panose="020B0604020202020204" pitchFamily="34" charset="0"/>
+              <a:buChar char="•"/>
+            </a:pPr>
+            <a:r>
+              <a:rPr lang="en-US" sz="1600" dirty="0" smtClean="0"/>
+              <a:t>maintains </a:t>
+            </a:r>
+            <a:r>
+              <a:rPr lang="en-US" sz="1600" dirty="0"/>
+              <a:t>a </a:t>
+            </a:r>
+            <a:r>
+              <a:rPr lang="en-US" sz="1600" dirty="0" smtClean="0"/>
+              <a:t>safe distance</a:t>
+            </a:r>
+            <a:endParaRPr lang="en-US" sz="1600" dirty="0"/>
+          </a:p>
+        </p:txBody>
+      </p:sp>
+      <p:grpSp>
+        <p:nvGrpSpPr>
+          <p:cNvPr id="6" name="Group 5"/>
+          <p:cNvGrpSpPr/>
+          <p:nvPr/>
+        </p:nvGrpSpPr>
+        <p:grpSpPr>
+          <a:xfrm>
+            <a:off x="4916329" y="3135901"/>
+            <a:ext cx="7146361" cy="3734144"/>
+            <a:chOff x="3090111" y="1304292"/>
+            <a:chExt cx="7788024" cy="4153059"/>
+          </a:xfrm>
+        </p:grpSpPr>
+        <p:grpSp>
+          <p:nvGrpSpPr>
+            <p:cNvPr id="7" name="Group 6"/>
+            <p:cNvGrpSpPr/>
+            <p:nvPr/>
+          </p:nvGrpSpPr>
+          <p:grpSpPr>
+            <a:xfrm>
+              <a:off x="3140257" y="1304292"/>
+              <a:ext cx="7737878" cy="4153059"/>
+              <a:chOff x="5626005" y="1890218"/>
+              <a:chExt cx="7737878" cy="4153059"/>
+            </a:xfrm>
+          </p:grpSpPr>
+          <p:pic>
+            <p:nvPicPr>
+              <p:cNvPr id="16" name="Picture 15"/>
+              <p:cNvPicPr>
+                <a:picLocks noChangeAspect="1"/>
+              </p:cNvPicPr>
+              <p:nvPr/>
+            </p:nvPicPr>
+            <p:blipFill>
+              <a:blip r:embed="rId3" cstate="print">
+                <a:extLst>
+                  <a:ext uri="{28A0092B-C50C-407E-A947-70E740481C1C}">
+                    <a14:useLocalDpi xmlns:a14="http://schemas.microsoft.com/office/drawing/2010/main" val="0"/>
+                  </a:ext>
+                </a:extLst>
+              </a:blip>
+              <a:stretch>
+                <a:fillRect/>
+              </a:stretch>
+            </p:blipFill>
+            <p:spPr>
+              <a:xfrm>
+                <a:off x="6880194" y="1890218"/>
+                <a:ext cx="6483689" cy="4153059"/>
+              </a:xfrm>
+              <a:prstGeom prst="rect">
+                <a:avLst/>
+              </a:prstGeom>
+            </p:spPr>
+          </p:pic>
+          <p:pic>
+            <p:nvPicPr>
+              <p:cNvPr id="17" name="Picture 16"/>
+              <p:cNvPicPr>
+                <a:picLocks noChangeAspect="1"/>
+              </p:cNvPicPr>
+              <p:nvPr/>
+            </p:nvPicPr>
+            <p:blipFill>
+              <a:blip r:embed="rId4" cstate="print">
+                <a:extLst>
+                  <a:ext uri="{28A0092B-C50C-407E-A947-70E740481C1C}">
+                    <a14:useLocalDpi xmlns:a14="http://schemas.microsoft.com/office/drawing/2010/main" val="0"/>
+                  </a:ext>
+                </a:extLst>
+              </a:blip>
+              <a:stretch>
+                <a:fillRect/>
+              </a:stretch>
+            </p:blipFill>
+            <p:spPr>
+              <a:xfrm>
+                <a:off x="5626005" y="3340045"/>
+                <a:ext cx="1681972" cy="1253407"/>
+              </a:xfrm>
+              <a:prstGeom prst="rect">
+                <a:avLst/>
+              </a:prstGeom>
+            </p:spPr>
+          </p:pic>
+          <p:pic>
+            <p:nvPicPr>
+              <p:cNvPr id="18" name="Picture 17"/>
+              <p:cNvPicPr>
+                <a:picLocks noChangeAspect="1"/>
+              </p:cNvPicPr>
+              <p:nvPr/>
+            </p:nvPicPr>
+            <p:blipFill>
+              <a:blip r:embed="rId5" cstate="print">
+                <a:extLst>
+                  <a:ext uri="{28A0092B-C50C-407E-A947-70E740481C1C}">
+                    <a14:useLocalDpi xmlns:a14="http://schemas.microsoft.com/office/drawing/2010/main" val="0"/>
+                  </a:ext>
+                </a:extLst>
+              </a:blip>
+              <a:stretch>
+                <a:fillRect/>
+              </a:stretch>
+            </p:blipFill>
+            <p:spPr>
+              <a:xfrm>
+                <a:off x="5626005" y="4596488"/>
+                <a:ext cx="1680317" cy="1221522"/>
+              </a:xfrm>
+              <a:prstGeom prst="rect">
+                <a:avLst/>
+              </a:prstGeom>
+            </p:spPr>
+          </p:pic>
+        </p:grpSp>
+        <p:pic>
+          <p:nvPicPr>
+            <p:cNvPr id="8" name="Picture 7"/>
+            <p:cNvPicPr>
+              <a:picLocks noChangeAspect="1"/>
+            </p:cNvPicPr>
+            <p:nvPr/>
+          </p:nvPicPr>
+          <p:blipFill>
+            <a:blip r:embed="rId6" cstate="print">
+              <a:extLst>
+                <a:ext uri="{28A0092B-C50C-407E-A947-70E740481C1C}">
+                  <a14:useLocalDpi xmlns:a14="http://schemas.microsoft.com/office/drawing/2010/main" val="0"/>
+                </a:ext>
+              </a:extLst>
+            </a:blip>
+            <a:stretch>
+              <a:fillRect/>
+            </a:stretch>
+          </p:blipFill>
+          <p:spPr>
+            <a:xfrm>
+              <a:off x="3090111" y="1582087"/>
+              <a:ext cx="1730464" cy="1168996"/>
+            </a:xfrm>
+            <a:prstGeom prst="rect">
+              <a:avLst/>
+            </a:prstGeom>
+          </p:spPr>
+        </p:pic>
+        <p:grpSp>
+          <p:nvGrpSpPr>
+            <p:cNvPr id="9" name="Group 8"/>
+            <p:cNvGrpSpPr/>
+            <p:nvPr/>
+          </p:nvGrpSpPr>
+          <p:grpSpPr>
+            <a:xfrm>
+              <a:off x="5234626" y="2638424"/>
+              <a:ext cx="499929" cy="2363301"/>
+              <a:chOff x="5234626" y="2638424"/>
+              <a:chExt cx="499929" cy="2363301"/>
+            </a:xfrm>
+          </p:grpSpPr>
+          <p:sp>
+            <p:nvSpPr>
+              <p:cNvPr id="13" name="Rectangle 12"/>
+              <p:cNvSpPr/>
+              <p:nvPr/>
+            </p:nvSpPr>
+            <p:spPr>
+              <a:xfrm>
+                <a:off x="5234626" y="2638424"/>
+                <a:ext cx="499929" cy="541827"/>
+              </a:xfrm>
+              <a:prstGeom prst="rect">
+                <a:avLst/>
+              </a:prstGeom>
+              <a:solidFill>
+                <a:schemeClr val="bg1">
+                  <a:lumMod val="95000"/>
+                  <a:alpha val="22000"/>
+                </a:schemeClr>
+              </a:solidFill>
+              <a:ln w="3175">
+                <a:solidFill>
+                  <a:schemeClr val="tx1"/>
+                </a:solidFill>
+                <a:prstDash val="lgDash"/>
+              </a:ln>
+            </p:spPr>
+            <p:style>
+              <a:lnRef idx="2">
+                <a:schemeClr val="accent1">
+                  <a:shade val="50000"/>
+                </a:schemeClr>
+              </a:lnRef>
+              <a:fillRef idx="1">
+                <a:schemeClr val="accent1"/>
+              </a:fillRef>
+              <a:effectRef idx="0">
+                <a:schemeClr val="accent1"/>
+              </a:effectRef>
+              <a:fontRef idx="minor">
+                <a:schemeClr val="lt1"/>
+              </a:fontRef>
+            </p:style>
+            <p:txBody>
+              <a:bodyPr rtlCol="0" anchor="ctr"/>
+              <a:lstStyle/>
+              <a:p>
+                <a:pPr algn="ctr"/>
+                <a:endParaRPr lang="en-US"/>
+              </a:p>
+            </p:txBody>
+          </p:sp>
+          <p:sp>
+            <p:nvSpPr>
+              <p:cNvPr id="14" name="Rectangle 13"/>
+              <p:cNvSpPr/>
+              <p:nvPr/>
+            </p:nvSpPr>
+            <p:spPr>
+              <a:xfrm>
+                <a:off x="5234626" y="3555682"/>
+                <a:ext cx="356549" cy="537687"/>
+              </a:xfrm>
+              <a:prstGeom prst="rect">
+                <a:avLst/>
+              </a:prstGeom>
+              <a:solidFill>
+                <a:schemeClr val="bg1">
+                  <a:lumMod val="95000"/>
+                  <a:alpha val="22000"/>
+                </a:schemeClr>
+              </a:solidFill>
+              <a:ln w="3175">
+                <a:solidFill>
+                  <a:schemeClr val="tx1"/>
+                </a:solidFill>
+                <a:prstDash val="lgDash"/>
+              </a:ln>
+            </p:spPr>
+            <p:style>
+              <a:lnRef idx="2">
+                <a:schemeClr val="accent1">
+                  <a:shade val="50000"/>
+                </a:schemeClr>
+              </a:lnRef>
+              <a:fillRef idx="1">
+                <a:schemeClr val="accent1"/>
+              </a:fillRef>
+              <a:effectRef idx="0">
+                <a:schemeClr val="accent1"/>
+              </a:effectRef>
+              <a:fontRef idx="minor">
+                <a:schemeClr val="lt1"/>
+              </a:fontRef>
+            </p:style>
+            <p:txBody>
+              <a:bodyPr rtlCol="0" anchor="ctr"/>
+              <a:lstStyle/>
+              <a:p>
+                <a:pPr algn="ctr"/>
+                <a:endParaRPr lang="en-US"/>
+              </a:p>
+            </p:txBody>
+          </p:sp>
+          <p:sp>
+            <p:nvSpPr>
+              <p:cNvPr id="15" name="Rectangle 14"/>
+              <p:cNvSpPr/>
+              <p:nvPr/>
+            </p:nvSpPr>
+            <p:spPr>
+              <a:xfrm>
+                <a:off x="5234626" y="4464038"/>
+                <a:ext cx="299399" cy="537687"/>
+              </a:xfrm>
+              <a:prstGeom prst="rect">
+                <a:avLst/>
+              </a:prstGeom>
+              <a:solidFill>
+                <a:schemeClr val="bg1">
+                  <a:lumMod val="95000"/>
+                  <a:alpha val="22000"/>
+                </a:schemeClr>
+              </a:solidFill>
+              <a:ln w="3175">
+                <a:solidFill>
+                  <a:schemeClr val="tx1"/>
+                </a:solidFill>
+                <a:prstDash val="lgDash"/>
+              </a:ln>
+            </p:spPr>
+            <p:style>
+              <a:lnRef idx="2">
+                <a:schemeClr val="accent1">
+                  <a:shade val="50000"/>
+                </a:schemeClr>
+              </a:lnRef>
+              <a:fillRef idx="1">
+                <a:schemeClr val="accent1"/>
+              </a:fillRef>
+              <a:effectRef idx="0">
+                <a:schemeClr val="accent1"/>
+              </a:effectRef>
+              <a:fontRef idx="minor">
+                <a:schemeClr val="lt1"/>
+              </a:fontRef>
+            </p:style>
+            <p:txBody>
+              <a:bodyPr rtlCol="0" anchor="ctr"/>
+              <a:lstStyle/>
+              <a:p>
+                <a:pPr algn="ctr"/>
+                <a:endParaRPr lang="en-US"/>
+              </a:p>
+            </p:txBody>
+          </p:sp>
+        </p:grpSp>
+        <p:cxnSp>
+          <p:nvCxnSpPr>
+            <p:cNvPr id="10" name="Straight Arrow Connector 9"/>
+            <p:cNvCxnSpPr/>
+            <p:nvPr/>
+          </p:nvCxnSpPr>
+          <p:spPr>
+            <a:xfrm flipH="1" flipV="1">
+              <a:off x="4682836" y="2410691"/>
+              <a:ext cx="551790" cy="340392"/>
+            </a:xfrm>
+            <a:prstGeom prst="straightConnector1">
+              <a:avLst/>
+            </a:prstGeom>
+            <a:ln w="6350">
+              <a:solidFill>
+                <a:schemeClr val="tx1"/>
+              </a:solidFill>
+              <a:prstDash val="lgDash"/>
+              <a:headEnd w="sm" len="lg"/>
+              <a:tailEnd type="stealth" w="med" len="lg"/>
+            </a:ln>
+          </p:spPr>
+          <p:style>
+            <a:lnRef idx="1">
+              <a:schemeClr val="accent1"/>
+            </a:lnRef>
+            <a:fillRef idx="0">
+              <a:schemeClr val="accent1"/>
+            </a:fillRef>
+            <a:effectRef idx="0">
+              <a:schemeClr val="accent1"/>
+            </a:effectRef>
+            <a:fontRef idx="minor">
+              <a:schemeClr val="tx1"/>
+            </a:fontRef>
+          </p:style>
+        </p:cxnSp>
+        <p:cxnSp>
+          <p:nvCxnSpPr>
+            <p:cNvPr id="11" name="Straight Arrow Connector 10"/>
+            <p:cNvCxnSpPr/>
+            <p:nvPr/>
+          </p:nvCxnSpPr>
+          <p:spPr>
+            <a:xfrm flipH="1" flipV="1">
+              <a:off x="4684092" y="3351654"/>
+              <a:ext cx="551790" cy="340392"/>
+            </a:xfrm>
+            <a:prstGeom prst="straightConnector1">
+              <a:avLst/>
+            </a:prstGeom>
+            <a:ln w="6350">
+              <a:solidFill>
+                <a:schemeClr val="tx1"/>
+              </a:solidFill>
+              <a:prstDash val="lgDash"/>
+              <a:headEnd w="sm" len="lg"/>
+              <a:tailEnd type="stealth" w="med" len="lg"/>
+            </a:ln>
+          </p:spPr>
+          <p:style>
+            <a:lnRef idx="1">
+              <a:schemeClr val="accent1"/>
+            </a:lnRef>
+            <a:fillRef idx="0">
+              <a:schemeClr val="accent1"/>
+            </a:fillRef>
+            <a:effectRef idx="0">
+              <a:schemeClr val="accent1"/>
+            </a:effectRef>
+            <a:fontRef idx="minor">
+              <a:schemeClr val="tx1"/>
+            </a:fontRef>
+          </p:style>
+        </p:cxnSp>
+        <p:cxnSp>
+          <p:nvCxnSpPr>
+            <p:cNvPr id="12" name="Straight Arrow Connector 11"/>
+            <p:cNvCxnSpPr/>
+            <p:nvPr/>
+          </p:nvCxnSpPr>
+          <p:spPr>
+            <a:xfrm flipH="1" flipV="1">
+              <a:off x="4682836" y="4576781"/>
+              <a:ext cx="551790" cy="28281"/>
+            </a:xfrm>
+            <a:prstGeom prst="straightConnector1">
+              <a:avLst/>
+            </a:prstGeom>
+            <a:ln w="6350">
+              <a:solidFill>
+                <a:schemeClr val="tx1"/>
+              </a:solidFill>
+              <a:prstDash val="lgDash"/>
+              <a:headEnd w="sm" len="lg"/>
+              <a:tailEnd type="stealth" w="med" len="lg"/>
+            </a:ln>
+          </p:spPr>
+          <p:style>
+            <a:lnRef idx="1">
+              <a:schemeClr val="accent1"/>
+            </a:lnRef>
+            <a:fillRef idx="0">
+              <a:schemeClr val="accent1"/>
+            </a:fillRef>
+            <a:effectRef idx="0">
+              <a:schemeClr val="accent1"/>
+            </a:effectRef>
+            <a:fontRef idx="minor">
+              <a:schemeClr val="tx1"/>
+            </a:fontRef>
+          </p:style>
+        </p:cxnSp>
+      </p:grpSp>
+      <mc:AlternateContent xmlns:mc="http://schemas.openxmlformats.org/markup-compatibility/2006">
+        <mc:Choice xmlns:a14="http://schemas.microsoft.com/office/drawing/2010/main" Requires="a14">
+          <p:sp>
+            <p:nvSpPr>
+              <p:cNvPr id="23" name="TextBox 22"/>
+              <p:cNvSpPr txBox="1"/>
+              <p:nvPr/>
+            </p:nvSpPr>
+            <p:spPr>
+              <a:xfrm>
+                <a:off x="458466" y="3782298"/>
+                <a:ext cx="4394046" cy="3001014"/>
+              </a:xfrm>
+              <a:prstGeom prst="rect">
+                <a:avLst/>
+              </a:prstGeom>
+              <a:noFill/>
+            </p:spPr>
+            <p:txBody>
+              <a:bodyPr wrap="square" rtlCol="0">
+                <a:spAutoFit/>
+              </a:bodyPr>
+              <a:lstStyle/>
+              <a:p>
+                <a:pPr algn="just"/>
+                <a:r>
+                  <a:rPr lang="en-US" altLang="zh-CN" sz="1600" b="1" dirty="0" smtClean="0"/>
+                  <a:t>Specification:</a:t>
+                </a:r>
+              </a:p>
+              <a:p>
+                <a:pPr algn="just"/>
+                <a14:m>
+                  <m:oMathPara xmlns:m="http://schemas.openxmlformats.org/officeDocument/2006/math">
+                    <m:oMathParaPr>
+                      <m:jc m:val="centerGroup"/>
+                    </m:oMathParaPr>
+                    <m:oMath xmlns:m="http://schemas.openxmlformats.org/officeDocument/2006/math">
+                      <m:sSub>
+                        <m:sSubPr>
+                          <m:ctrlPr>
+                            <a:rPr lang="en-US" altLang="zh-CN" sz="1600" i="1">
+                              <a:latin typeface="Cambria Math" panose="02040503050406030204" pitchFamily="18" charset="0"/>
+                            </a:rPr>
+                          </m:ctrlPr>
+                        </m:sSubPr>
+                        <m:e>
+                          <m:r>
+                            <a:rPr lang="en-US" altLang="zh-CN" sz="1600" i="1">
+                              <a:latin typeface="Cambria Math" panose="02040503050406030204" pitchFamily="18" charset="0"/>
+                            </a:rPr>
+                            <m:t>𝐷</m:t>
+                          </m:r>
+                        </m:e>
+                        <m:sub>
+                          <m:r>
+                            <a:rPr lang="en-US" altLang="zh-CN" sz="1600" i="1">
+                              <a:latin typeface="Cambria Math" panose="02040503050406030204" pitchFamily="18" charset="0"/>
+                            </a:rPr>
+                            <m:t>𝑟</m:t>
+                          </m:r>
+                        </m:sub>
+                      </m:sSub>
+                      <m:d>
+                        <m:dPr>
+                          <m:ctrlPr>
+                            <a:rPr lang="en-US" altLang="zh-CN" sz="1600" b="0" i="1" smtClean="0">
+                              <a:latin typeface="Cambria Math" panose="02040503050406030204" pitchFamily="18" charset="0"/>
+                            </a:rPr>
+                          </m:ctrlPr>
+                        </m:dPr>
+                        <m:e>
+                          <m:r>
+                            <a:rPr lang="en-US" altLang="zh-CN" sz="1600" b="0" i="1" smtClean="0">
+                              <a:latin typeface="Cambria Math" panose="02040503050406030204" pitchFamily="18" charset="0"/>
+                            </a:rPr>
+                            <m:t>𝑡</m:t>
+                          </m:r>
+                        </m:e>
+                      </m:d>
+                      <m:r>
+                        <a:rPr lang="en-US" altLang="zh-CN" sz="1600" b="0" i="1" smtClean="0">
+                          <a:latin typeface="Cambria Math" panose="02040503050406030204" pitchFamily="18" charset="0"/>
+                        </a:rPr>
+                        <m:t>≥ </m:t>
+                      </m:r>
+                      <m:f>
+                        <m:fPr>
+                          <m:ctrlPr>
+                            <a:rPr lang="en-US" altLang="zh-CN" sz="1600" i="1" smtClean="0">
+                              <a:latin typeface="Cambria Math" panose="02040503050406030204" pitchFamily="18" charset="0"/>
+                            </a:rPr>
+                          </m:ctrlPr>
+                        </m:fPr>
+                        <m:num>
+                          <m:sSub>
+                            <m:sSubPr>
+                              <m:ctrlPr>
+                                <a:rPr lang="en-US" altLang="zh-CN" sz="1600" i="1">
+                                  <a:latin typeface="Cambria Math" panose="02040503050406030204" pitchFamily="18" charset="0"/>
+                                </a:rPr>
+                              </m:ctrlPr>
+                            </m:sSubPr>
+                            <m:e>
+                              <m:r>
+                                <a:rPr lang="en-US" altLang="zh-CN" sz="1600" b="0" i="1" smtClean="0">
+                                  <a:latin typeface="Cambria Math" panose="02040503050406030204" pitchFamily="18" charset="0"/>
+                                </a:rPr>
+                                <m:t> </m:t>
+                              </m:r>
+                              <m:r>
+                                <a:rPr lang="en-US" altLang="zh-CN" sz="1600" i="1">
+                                  <a:latin typeface="Cambria Math" panose="02040503050406030204" pitchFamily="18" charset="0"/>
+                                </a:rPr>
+                                <m:t>𝐷</m:t>
+                              </m:r>
+                            </m:e>
+                            <m:sub>
+                              <m:r>
+                                <a:rPr lang="en-US" altLang="zh-CN" sz="1600" i="1">
+                                  <a:latin typeface="Cambria Math" panose="02040503050406030204" pitchFamily="18" charset="0"/>
+                                </a:rPr>
+                                <m:t>𝑠𝑎𝑓𝑒</m:t>
+                              </m:r>
+                            </m:sub>
+                          </m:sSub>
+                          <m:r>
+                            <a:rPr lang="en-US" altLang="zh-CN" sz="1600" i="1">
+                              <a:latin typeface="Cambria Math" panose="02040503050406030204" pitchFamily="18" charset="0"/>
+                            </a:rPr>
+                            <m:t>(</m:t>
+                          </m:r>
+                          <m:r>
+                            <a:rPr lang="en-US" altLang="zh-CN" sz="1600" i="1">
+                              <a:latin typeface="Cambria Math" panose="02040503050406030204" pitchFamily="18" charset="0"/>
+                            </a:rPr>
+                            <m:t>𝑡</m:t>
+                          </m:r>
+                          <m:r>
+                            <a:rPr lang="en-US" altLang="zh-CN" sz="1600" i="1">
+                              <a:latin typeface="Cambria Math" panose="02040503050406030204" pitchFamily="18" charset="0"/>
+                            </a:rPr>
+                            <m:t>)</m:t>
+                          </m:r>
+                        </m:num>
+                        <m:den>
+                          <m:r>
+                            <a:rPr lang="en-US" altLang="zh-CN" sz="1600" b="0" i="1" smtClean="0">
+                              <a:latin typeface="Cambria Math" panose="02040503050406030204" pitchFamily="18" charset="0"/>
+                            </a:rPr>
+                            <m:t>2</m:t>
+                          </m:r>
+                        </m:den>
+                      </m:f>
+                    </m:oMath>
+                  </m:oMathPara>
+                </a14:m>
+                <a:endParaRPr lang="en-US" sz="1600" dirty="0" smtClean="0"/>
+              </a:p>
+              <a:p>
+                <a:pPr algn="just"/>
+                <a:r>
+                  <a:rPr lang="en-US" sz="1600" dirty="0"/>
+                  <a:t>w</a:t>
+                </a:r>
+                <a:r>
+                  <a:rPr lang="en-US" sz="1600" dirty="0" smtClean="0"/>
+                  <a:t>here </a:t>
+                </a:r>
+              </a:p>
+              <a:p>
+                <a:pPr marL="285750" indent="-285750" algn="just">
+                  <a:spcBef>
+                    <a:spcPts val="600"/>
+                  </a:spcBef>
+                  <a:buFont typeface="Arial" panose="020B0604020202020204" pitchFamily="34" charset="0"/>
+                  <a:buChar char="•"/>
+                </a:pPr>
+                <a14:m>
+                  <m:oMath xmlns:m="http://schemas.openxmlformats.org/officeDocument/2006/math">
+                    <m:sSub>
+                      <m:sSubPr>
+                        <m:ctrlPr>
+                          <a:rPr lang="en-US" altLang="zh-CN" sz="1600" i="1">
+                            <a:latin typeface="Cambria Math" panose="02040503050406030204" pitchFamily="18" charset="0"/>
+                          </a:rPr>
+                        </m:ctrlPr>
+                      </m:sSubPr>
+                      <m:e>
+                        <m:r>
+                          <a:rPr lang="en-US" altLang="zh-CN" sz="1600" i="1">
+                            <a:latin typeface="Cambria Math" panose="02040503050406030204" pitchFamily="18" charset="0"/>
+                          </a:rPr>
+                          <m:t> </m:t>
+                        </m:r>
+                        <m:r>
+                          <a:rPr lang="en-US" altLang="zh-CN" sz="1600" i="1">
+                            <a:latin typeface="Cambria Math" panose="02040503050406030204" pitchFamily="18" charset="0"/>
+                          </a:rPr>
+                          <m:t>𝐷</m:t>
+                        </m:r>
+                      </m:e>
+                      <m:sub>
+                        <m:r>
+                          <a:rPr lang="en-US" altLang="zh-CN" sz="1600" i="1">
+                            <a:latin typeface="Cambria Math" panose="02040503050406030204" pitchFamily="18" charset="0"/>
+                          </a:rPr>
+                          <m:t>𝑠𝑎𝑓𝑒</m:t>
+                        </m:r>
+                      </m:sub>
+                    </m:sSub>
+                    <m:d>
+                      <m:dPr>
+                        <m:ctrlPr>
+                          <a:rPr lang="en-US" altLang="zh-CN" sz="1600" i="1">
+                            <a:latin typeface="Cambria Math" panose="02040503050406030204" pitchFamily="18" charset="0"/>
+                          </a:rPr>
+                        </m:ctrlPr>
+                      </m:dPr>
+                      <m:e>
+                        <m:r>
+                          <a:rPr lang="en-US" altLang="zh-CN" sz="1600" i="1">
+                            <a:latin typeface="Cambria Math" panose="02040503050406030204" pitchFamily="18" charset="0"/>
+                          </a:rPr>
+                          <m:t>𝑡</m:t>
+                        </m:r>
+                      </m:e>
+                    </m:d>
+                    <m:r>
+                      <a:rPr lang="en-US" altLang="zh-CN" sz="1600" b="0" i="1" smtClean="0">
+                        <a:latin typeface="Cambria Math" panose="02040503050406030204" pitchFamily="18" charset="0"/>
+                      </a:rPr>
+                      <m:t>=</m:t>
+                    </m:r>
+                    <m:sSub>
+                      <m:sSubPr>
+                        <m:ctrlPr>
+                          <a:rPr lang="en-US" altLang="zh-CN" sz="1600" i="1" smtClean="0">
+                            <a:latin typeface="Cambria Math" panose="02040503050406030204" pitchFamily="18" charset="0"/>
+                          </a:rPr>
+                        </m:ctrlPr>
+                      </m:sSubPr>
+                      <m:e>
+                        <m:r>
+                          <a:rPr lang="en-US" altLang="zh-CN" sz="1600" i="1">
+                            <a:latin typeface="Cambria Math" panose="02040503050406030204" pitchFamily="18" charset="0"/>
+                          </a:rPr>
+                          <m:t> </m:t>
+                        </m:r>
+                        <m:r>
+                          <a:rPr lang="en-US" altLang="zh-CN" sz="1600" i="1">
+                            <a:latin typeface="Cambria Math" panose="02040503050406030204" pitchFamily="18" charset="0"/>
+                          </a:rPr>
+                          <m:t>𝐷</m:t>
+                        </m:r>
+                      </m:e>
+                      <m:sub>
+                        <m:r>
+                          <m:rPr>
+                            <m:sty m:val="p"/>
+                          </m:rPr>
+                          <a:rPr lang="en-US" altLang="zh-CN" sz="1600" i="1">
+                            <a:latin typeface="Cambria Math" panose="02040503050406030204" pitchFamily="18" charset="0"/>
+                          </a:rPr>
+                          <m:t>d</m:t>
+                        </m:r>
+                        <m:r>
+                          <a:rPr lang="en-US" altLang="zh-CN" sz="1600" b="0" i="1" smtClean="0">
+                            <a:latin typeface="Cambria Math" panose="02040503050406030204" pitchFamily="18" charset="0"/>
+                          </a:rPr>
+                          <m:t>𝑒𝑓𝑎𝑢𝑙𝑡</m:t>
+                        </m:r>
+                      </m:sub>
+                    </m:sSub>
+                    <m:r>
+                      <a:rPr lang="en-US" altLang="zh-CN" sz="1600" b="0" i="1" smtClean="0">
+                        <a:latin typeface="Cambria Math" panose="02040503050406030204" pitchFamily="18" charset="0"/>
+                      </a:rPr>
+                      <m:t>+</m:t>
+                    </m:r>
+                    <m:sSub>
+                      <m:sSubPr>
+                        <m:ctrlPr>
+                          <a:rPr lang="en-US" altLang="zh-CN" sz="1600" i="1">
+                            <a:latin typeface="Cambria Math" panose="02040503050406030204" pitchFamily="18" charset="0"/>
+                          </a:rPr>
+                        </m:ctrlPr>
+                      </m:sSubPr>
+                      <m:e>
+                        <m:r>
+                          <a:rPr lang="en-US" altLang="zh-CN" sz="1600" i="1">
+                            <a:latin typeface="Cambria Math" panose="02040503050406030204" pitchFamily="18" charset="0"/>
+                          </a:rPr>
+                          <m:t> </m:t>
+                        </m:r>
+                        <m:r>
+                          <a:rPr lang="en-US" altLang="zh-CN" sz="1600" b="0" i="1" smtClean="0">
+                            <a:latin typeface="Cambria Math" panose="02040503050406030204" pitchFamily="18" charset="0"/>
+                          </a:rPr>
+                          <m:t>𝑇</m:t>
+                        </m:r>
+                      </m:e>
+                      <m:sub>
+                        <m:r>
+                          <a:rPr lang="en-US" altLang="zh-CN" sz="1600" b="0" i="1" smtClean="0">
+                            <a:latin typeface="Cambria Math" panose="02040503050406030204" pitchFamily="18" charset="0"/>
+                          </a:rPr>
+                          <m:t>𝑔𝑎𝑝</m:t>
+                        </m:r>
+                      </m:sub>
+                    </m:sSub>
+                    <m:r>
+                      <a:rPr lang="en-US" altLang="zh-CN" sz="1600" i="1" smtClean="0">
+                        <a:latin typeface="Cambria Math" panose="02040503050406030204" pitchFamily="18" charset="0"/>
+                        <a:ea typeface="Cambria Math" panose="02040503050406030204" pitchFamily="18" charset="0"/>
+                      </a:rPr>
+                      <m:t>×</m:t>
+                    </m:r>
+                    <m:sSub>
+                      <m:sSubPr>
+                        <m:ctrlPr>
+                          <a:rPr lang="en-US" altLang="zh-CN" sz="1600" i="1">
+                            <a:latin typeface="Cambria Math" panose="02040503050406030204" pitchFamily="18" charset="0"/>
+                          </a:rPr>
+                        </m:ctrlPr>
+                      </m:sSubPr>
+                      <m:e>
+                        <m:r>
+                          <a:rPr lang="en-US" altLang="zh-CN" sz="1600" i="1">
+                            <a:latin typeface="Cambria Math" panose="02040503050406030204" pitchFamily="18" charset="0"/>
+                          </a:rPr>
+                          <m:t> </m:t>
+                        </m:r>
+                        <m:r>
+                          <a:rPr lang="en-US" altLang="zh-CN" sz="1600" b="0" i="1" smtClean="0">
+                            <a:latin typeface="Cambria Math" panose="02040503050406030204" pitchFamily="18" charset="0"/>
+                          </a:rPr>
+                          <m:t>𝑉</m:t>
+                        </m:r>
+                      </m:e>
+                      <m:sub>
+                        <m:r>
+                          <a:rPr lang="en-US" altLang="zh-CN" sz="1600" b="0" i="1" smtClean="0">
+                            <a:latin typeface="Cambria Math" panose="02040503050406030204" pitchFamily="18" charset="0"/>
+                          </a:rPr>
+                          <m:t>𝑒𝑔𝑜</m:t>
+                        </m:r>
+                      </m:sub>
+                    </m:sSub>
+                    <m:r>
+                      <a:rPr lang="en-US" altLang="zh-CN" sz="1600" b="0" i="1" smtClean="0">
+                        <a:latin typeface="Cambria Math" panose="02040503050406030204" pitchFamily="18" charset="0"/>
+                      </a:rPr>
+                      <m:t>(</m:t>
+                    </m:r>
+                    <m:r>
+                      <a:rPr lang="en-US" altLang="zh-CN" sz="1600" b="0" i="1" smtClean="0">
+                        <a:latin typeface="Cambria Math" panose="02040503050406030204" pitchFamily="18" charset="0"/>
+                      </a:rPr>
+                      <m:t>𝑡</m:t>
+                    </m:r>
+                    <m:r>
+                      <a:rPr lang="en-US" altLang="zh-CN" sz="1600" b="0" i="1" smtClean="0">
+                        <a:latin typeface="Cambria Math" panose="02040503050406030204" pitchFamily="18" charset="0"/>
+                      </a:rPr>
+                      <m:t>)</m:t>
+                    </m:r>
+                  </m:oMath>
+                </a14:m>
+                <a:endParaRPr lang="en-US" sz="1600" dirty="0" smtClean="0"/>
+              </a:p>
+              <a:p>
+                <a:pPr marL="285750" indent="-285750" algn="just">
+                  <a:spcBef>
+                    <a:spcPts val="600"/>
+                  </a:spcBef>
+                  <a:buFont typeface="Arial" panose="020B0604020202020204" pitchFamily="34" charset="0"/>
+                  <a:buChar char="•"/>
+                </a:pPr>
+                <a14:m>
+                  <m:oMath xmlns:m="http://schemas.openxmlformats.org/officeDocument/2006/math">
+                    <m:sSub>
+                      <m:sSubPr>
+                        <m:ctrlPr>
+                          <a:rPr lang="en-US" sz="1600" i="1" smtClean="0">
+                            <a:latin typeface="Cambria Math" panose="02040503050406030204" pitchFamily="18" charset="0"/>
+                          </a:rPr>
+                        </m:ctrlPr>
+                      </m:sSubPr>
+                      <m:e>
+                        <m:r>
+                          <a:rPr lang="en-US" sz="1600" b="0" i="1" smtClean="0">
+                            <a:latin typeface="Cambria Math" panose="02040503050406030204" pitchFamily="18" charset="0"/>
+                          </a:rPr>
+                          <m:t>𝐷</m:t>
+                        </m:r>
+                      </m:e>
+                      <m:sub>
+                        <m:r>
+                          <a:rPr lang="en-US" sz="1600" b="0" i="1" smtClean="0">
+                            <a:latin typeface="Cambria Math" panose="02040503050406030204" pitchFamily="18" charset="0"/>
+                          </a:rPr>
+                          <m:t>𝑟</m:t>
+                        </m:r>
+                      </m:sub>
+                    </m:sSub>
+                    <m:d>
+                      <m:dPr>
+                        <m:ctrlPr>
+                          <a:rPr lang="en-US" sz="1600" b="0" i="1" smtClean="0">
+                            <a:latin typeface="Cambria Math" panose="02040503050406030204" pitchFamily="18" charset="0"/>
+                          </a:rPr>
+                        </m:ctrlPr>
+                      </m:dPr>
+                      <m:e>
+                        <m:r>
+                          <a:rPr lang="en-US" sz="1600" b="0" i="1" smtClean="0">
+                            <a:latin typeface="Cambria Math" panose="02040503050406030204" pitchFamily="18" charset="0"/>
+                          </a:rPr>
+                          <m:t>𝑡</m:t>
+                        </m:r>
+                      </m:e>
+                    </m:d>
+                  </m:oMath>
+                </a14:m>
+                <a:r>
+                  <a:rPr lang="en-US" sz="1600" dirty="0" smtClean="0"/>
+                  <a:t> is the relative distance</a:t>
+                </a:r>
+              </a:p>
+              <a:p>
+                <a:pPr marL="285750" indent="-285750" algn="just">
+                  <a:spcBef>
+                    <a:spcPts val="600"/>
+                  </a:spcBef>
+                  <a:buFont typeface="Arial" panose="020B0604020202020204" pitchFamily="34" charset="0"/>
+                  <a:buChar char="•"/>
+                </a:pPr>
+                <a14:m>
+                  <m:oMath xmlns:m="http://schemas.openxmlformats.org/officeDocument/2006/math">
+                    <m:sSub>
+                      <m:sSubPr>
+                        <m:ctrlPr>
+                          <a:rPr lang="en-US" altLang="zh-CN" sz="1600" i="1">
+                            <a:latin typeface="Cambria Math" panose="02040503050406030204" pitchFamily="18" charset="0"/>
+                          </a:rPr>
+                        </m:ctrlPr>
+                      </m:sSubPr>
+                      <m:e>
+                        <m:r>
+                          <a:rPr lang="en-US" altLang="zh-CN" sz="1600" i="1">
+                            <a:latin typeface="Cambria Math" panose="02040503050406030204" pitchFamily="18" charset="0"/>
+                          </a:rPr>
+                          <m:t> </m:t>
+                        </m:r>
+                        <m:r>
+                          <a:rPr lang="en-US" altLang="zh-CN" sz="1600" i="1">
+                            <a:latin typeface="Cambria Math" panose="02040503050406030204" pitchFamily="18" charset="0"/>
+                          </a:rPr>
+                          <m:t>𝐷</m:t>
+                        </m:r>
+                      </m:e>
+                      <m:sub>
+                        <m:r>
+                          <m:rPr>
+                            <m:sty m:val="p"/>
+                          </m:rPr>
+                          <a:rPr lang="en-US" altLang="zh-CN" sz="1600" i="1">
+                            <a:latin typeface="Cambria Math" panose="02040503050406030204" pitchFamily="18" charset="0"/>
+                          </a:rPr>
+                          <m:t>d</m:t>
+                        </m:r>
+                        <m:r>
+                          <a:rPr lang="en-US" altLang="zh-CN" sz="1600" i="1">
+                            <a:latin typeface="Cambria Math" panose="02040503050406030204" pitchFamily="18" charset="0"/>
+                          </a:rPr>
+                          <m:t>𝑒𝑓𝑎𝑢𝑙𝑡</m:t>
+                        </m:r>
+                      </m:sub>
+                    </m:sSub>
+                  </m:oMath>
+                </a14:m>
+                <a:r>
+                  <a:rPr lang="en-US" sz="1600" dirty="0" smtClean="0"/>
+                  <a:t> is the standstill default spacing</a:t>
+                </a:r>
+              </a:p>
+              <a:p>
+                <a:pPr marL="285750" indent="-285750" algn="just">
+                  <a:spcBef>
+                    <a:spcPts val="600"/>
+                  </a:spcBef>
+                  <a:buFont typeface="Arial" panose="020B0604020202020204" pitchFamily="34" charset="0"/>
+                  <a:buChar char="•"/>
+                </a:pPr>
+                <a14:m>
+                  <m:oMath xmlns:m="http://schemas.openxmlformats.org/officeDocument/2006/math">
+                    <m:sSub>
+                      <m:sSubPr>
+                        <m:ctrlPr>
+                          <a:rPr lang="en-US" altLang="zh-CN" sz="1600" i="1">
+                            <a:latin typeface="Cambria Math" panose="02040503050406030204" pitchFamily="18" charset="0"/>
+                          </a:rPr>
+                        </m:ctrlPr>
+                      </m:sSubPr>
+                      <m:e>
+                        <m:r>
+                          <a:rPr lang="en-US" altLang="zh-CN" sz="1600" i="1">
+                            <a:latin typeface="Cambria Math" panose="02040503050406030204" pitchFamily="18" charset="0"/>
+                          </a:rPr>
+                          <m:t> </m:t>
+                        </m:r>
+                        <m:r>
+                          <a:rPr lang="en-US" altLang="zh-CN" sz="1600" i="1">
+                            <a:latin typeface="Cambria Math" panose="02040503050406030204" pitchFamily="18" charset="0"/>
+                          </a:rPr>
+                          <m:t>𝑇</m:t>
+                        </m:r>
+                      </m:e>
+                      <m:sub>
+                        <m:r>
+                          <a:rPr lang="en-US" altLang="zh-CN" sz="1600" i="1">
+                            <a:latin typeface="Cambria Math" panose="02040503050406030204" pitchFamily="18" charset="0"/>
+                          </a:rPr>
+                          <m:t>𝑔𝑎𝑝</m:t>
+                        </m:r>
+                      </m:sub>
+                    </m:sSub>
+                  </m:oMath>
+                </a14:m>
+                <a:r>
+                  <a:rPr lang="en-US" sz="1600" dirty="0" smtClean="0"/>
+                  <a:t> is time gap between the vehicles</a:t>
+                </a:r>
+              </a:p>
+              <a:p>
+                <a:pPr marL="285750" indent="-285750" algn="just">
+                  <a:spcBef>
+                    <a:spcPts val="600"/>
+                  </a:spcBef>
+                  <a:buFont typeface="Arial" panose="020B0604020202020204" pitchFamily="34" charset="0"/>
+                  <a:buChar char="•"/>
+                </a:pPr>
+                <a14:m>
+                  <m:oMath xmlns:m="http://schemas.openxmlformats.org/officeDocument/2006/math">
+                    <m:sSub>
+                      <m:sSubPr>
+                        <m:ctrlPr>
+                          <a:rPr lang="en-US" altLang="zh-CN" sz="1600" i="1">
+                            <a:latin typeface="Cambria Math" panose="02040503050406030204" pitchFamily="18" charset="0"/>
+                          </a:rPr>
+                        </m:ctrlPr>
+                      </m:sSubPr>
+                      <m:e>
+                        <m:r>
+                          <a:rPr lang="en-US" altLang="zh-CN" sz="1600" i="1">
+                            <a:latin typeface="Cambria Math" panose="02040503050406030204" pitchFamily="18" charset="0"/>
+                          </a:rPr>
+                          <m:t> </m:t>
+                        </m:r>
+                        <m:r>
+                          <a:rPr lang="en-US" altLang="zh-CN" sz="1600" i="1">
+                            <a:latin typeface="Cambria Math" panose="02040503050406030204" pitchFamily="18" charset="0"/>
+                          </a:rPr>
+                          <m:t>𝑉</m:t>
+                        </m:r>
+                      </m:e>
+                      <m:sub>
+                        <m:r>
+                          <a:rPr lang="en-US" altLang="zh-CN" sz="1600" i="1">
+                            <a:latin typeface="Cambria Math" panose="02040503050406030204" pitchFamily="18" charset="0"/>
+                          </a:rPr>
+                          <m:t>𝑒𝑔𝑜</m:t>
+                        </m:r>
+                      </m:sub>
+                    </m:sSub>
+                    <m:r>
+                      <a:rPr lang="en-US" altLang="zh-CN" sz="1600" i="1">
+                        <a:latin typeface="Cambria Math" panose="02040503050406030204" pitchFamily="18" charset="0"/>
+                      </a:rPr>
+                      <m:t>(</m:t>
+                    </m:r>
+                    <m:r>
+                      <a:rPr lang="en-US" altLang="zh-CN" sz="1600" i="1">
+                        <a:latin typeface="Cambria Math" panose="02040503050406030204" pitchFamily="18" charset="0"/>
+                      </a:rPr>
+                      <m:t>𝑡</m:t>
+                    </m:r>
+                    <m:r>
+                      <a:rPr lang="en-US" altLang="zh-CN" sz="1600" i="1">
+                        <a:latin typeface="Cambria Math" panose="02040503050406030204" pitchFamily="18" charset="0"/>
+                      </a:rPr>
+                      <m:t>)</m:t>
+                    </m:r>
+                  </m:oMath>
+                </a14:m>
+                <a:r>
+                  <a:rPr lang="en-US" sz="1600" dirty="0" smtClean="0"/>
+                  <a:t> is velocity of the ego car</a:t>
+                </a:r>
+              </a:p>
+              <a:p>
+                <a:pPr marL="285750" indent="-285750" algn="just">
+                  <a:buFont typeface="Arial" panose="020B0604020202020204" pitchFamily="34" charset="0"/>
+                  <a:buChar char="•"/>
+                </a:pPr>
+                <a:endParaRPr lang="en-US" sz="1600" dirty="0"/>
+              </a:p>
+            </p:txBody>
+          </p:sp>
+        </mc:Choice>
+        <mc:Fallback>
+          <p:sp>
+            <p:nvSpPr>
+              <p:cNvPr id="23" name="TextBox 22"/>
+              <p:cNvSpPr txBox="1">
+                <a:spLocks noRot="1" noChangeAspect="1" noMove="1" noResize="1" noEditPoints="1" noAdjustHandles="1" noChangeArrowheads="1" noChangeShapeType="1" noTextEdit="1"/>
+              </p:cNvSpPr>
+              <p:nvPr/>
+            </p:nvSpPr>
+            <p:spPr>
+              <a:xfrm>
+                <a:off x="458466" y="3782298"/>
+                <a:ext cx="4394046" cy="3001014"/>
+              </a:xfrm>
+              <a:prstGeom prst="rect">
+                <a:avLst/>
+              </a:prstGeom>
+              <a:blipFill>
+                <a:blip r:embed="rId7"/>
+                <a:stretch>
+                  <a:fillRect l="-693" t="-609"/>
+                </a:stretch>
+              </a:blipFill>
+            </p:spPr>
+            <p:txBody>
+              <a:bodyPr/>
+              <a:lstStyle/>
+              <a:p>
+                <a:r>
+                  <a:rPr lang="en-US">
+                    <a:noFill/>
+                  </a:rPr>
+                  <a:t> </a:t>
+                </a:r>
+              </a:p>
+            </p:txBody>
+          </p:sp>
+        </mc:Fallback>
+      </mc:AlternateContent>
+      <p:pic>
+        <p:nvPicPr>
+          <p:cNvPr id="25" name="Picture 24"/>
+          <p:cNvPicPr>
+            <a:picLocks noChangeAspect="1"/>
+          </p:cNvPicPr>
+          <p:nvPr/>
+        </p:nvPicPr>
+        <p:blipFill>
+          <a:blip r:embed="rId8"/>
+          <a:stretch>
+            <a:fillRect/>
+          </a:stretch>
+        </p:blipFill>
+        <p:spPr>
+          <a:xfrm>
+            <a:off x="4738256" y="653618"/>
+            <a:ext cx="7109301" cy="2659640"/>
+          </a:xfrm>
+          <a:prstGeom prst="rect">
+            <a:avLst/>
+          </a:prstGeom>
+        </p:spPr>
+      </p:pic>
     </p:spTree>
     <p:extLst>
       <p:ext uri="{BB962C8B-B14F-4D97-AF65-F5344CB8AC3E}">
@@ -3085,66 +4210,6 @@
       </p:par>
     </p:tnLst>
   </p:timing>
-</p:sld>
-</file>
-
-<file path=ppt/slides/slide2.xml><?xml version="1.0" encoding="utf-8"?>
-<p:sld xmlns:a="http://schemas.openxmlformats.org/drawingml/2006/main" xmlns:r="http://schemas.openxmlformats.org/officeDocument/2006/relationships" xmlns:p="http://schemas.openxmlformats.org/presentationml/2006/main">
-  <p:cSld>
-    <p:spTree>
-      <p:nvGrpSpPr>
-        <p:cNvPr id="1" name=""/>
-        <p:cNvGrpSpPr/>
-        <p:nvPr/>
-      </p:nvGrpSpPr>
-      <p:grpSpPr>
-        <a:xfrm>
-          <a:off x="0" y="0"/>
-          <a:ext cx="0" cy="0"/>
-          <a:chOff x="0" y="0"/>
-          <a:chExt cx="0" cy="0"/>
-        </a:xfrm>
-      </p:grpSpPr>
-      <p:pic>
-        <p:nvPicPr>
-          <p:cNvPr id="4" name="Picture 3"/>
-          <p:cNvPicPr>
-            <a:picLocks noChangeAspect="1"/>
-          </p:cNvPicPr>
-          <p:nvPr/>
-        </p:nvPicPr>
-        <p:blipFill>
-          <a:blip r:embed="rId2" cstate="print">
-            <a:extLst>
-              <a:ext uri="{28A0092B-C50C-407E-A947-70E740481C1C}">
-                <a14:useLocalDpi xmlns:a14="http://schemas.microsoft.com/office/drawing/2010/main" val="0"/>
-              </a:ext>
-            </a:extLst>
-          </a:blip>
-          <a:stretch>
-            <a:fillRect/>
-          </a:stretch>
-        </p:blipFill>
-        <p:spPr>
-          <a:xfrm>
-            <a:off x="3983788" y="2200275"/>
-            <a:ext cx="7155595" cy="4162583"/>
-          </a:xfrm>
-          <a:prstGeom prst="rect">
-            <a:avLst/>
-          </a:prstGeom>
-        </p:spPr>
-      </p:pic>
-    </p:spTree>
-    <p:extLst>
-      <p:ext uri="{BB962C8B-B14F-4D97-AF65-F5344CB8AC3E}">
-        <p14:creationId xmlns:p14="http://schemas.microsoft.com/office/powerpoint/2010/main" val="1139649030"/>
-      </p:ext>
-    </p:extLst>
-  </p:cSld>
-  <p:clrMapOvr>
-    <a:masterClrMapping/>
-  </p:clrMapOvr>
 </p:sld>
 </file>
 
